--- a/Materi 03_1 -- Distributed Lag Model  --- 06 08 2019.pptx
+++ b/Materi 03_1 -- Distributed Lag Model  --- 06 08 2019.pptx
@@ -5,7 +5,7 @@
     <p:sldMasterId id="2147483648" r:id="rId1"/>
   </p:sldMasterIdLst>
   <p:notesMasterIdLst>
-    <p:notesMasterId r:id="rId33"/>
+    <p:notesMasterId r:id="rId36"/>
   </p:notesMasterIdLst>
   <p:sldIdLst>
     <p:sldId id="304" r:id="rId2"/>
@@ -39,6 +39,9 @@
     <p:sldId id="336" r:id="rId30"/>
     <p:sldId id="338" r:id="rId31"/>
     <p:sldId id="339" r:id="rId32"/>
+    <p:sldId id="340" r:id="rId33"/>
+    <p:sldId id="341" r:id="rId34"/>
+    <p:sldId id="342" r:id="rId35"/>
   </p:sldIdLst>
   <p:sldSz cx="9144000" cy="5715000" type="screen16x10"/>
   <p:notesSz cx="6858000" cy="9144000"/>
@@ -244,7 +247,7 @@
             <a:fld id="{545B8DFF-3B96-41A0-9B28-6E55A2E48E01}" type="datetimeFigureOut">
               <a:rPr lang="en-US" smtClean="0"/>
               <a:pPr/>
-              <a:t>8/6/2019</a:t>
+              <a:t>8/7/2019</a:t>
             </a:fld>
             <a:endParaRPr lang="en-US"/>
           </a:p>
@@ -5374,12 +5377,6 @@
               </a:rPr>
               <a:t>plot.ts(warming$Warming)</a:t>
             </a:r>
-            <a:endParaRPr lang="id-ID" sz="1400" dirty="0">
-              <a:solidFill>
-                <a:srgbClr val="0070C0"/>
-              </a:solidFill>
-              <a:latin typeface="Lucida Console" pitchFamily="49" charset="0"/>
-            </a:endParaRPr>
           </a:p>
         </p:txBody>
       </p:sp>
@@ -5490,12 +5487,6 @@
               </a:rPr>
               <a:t>plot.ts(warming$NoMotorVehicles)</a:t>
             </a:r>
-            <a:endParaRPr lang="id-ID" sz="1400" dirty="0">
-              <a:solidFill>
-                <a:srgbClr val="0070C0"/>
-              </a:solidFill>
-              <a:latin typeface="Lucida Console" pitchFamily="49" charset="0"/>
-            </a:endParaRPr>
           </a:p>
         </p:txBody>
       </p:sp>
@@ -5712,12 +5703,6 @@
               </a:rPr>
               <a:t>plot(warming$NoMotorVehicles,warming$Warming)</a:t>
             </a:r>
-            <a:endParaRPr lang="id-ID" sz="1400" dirty="0">
-              <a:solidFill>
-                <a:srgbClr val="0070C0"/>
-              </a:solidFill>
-              <a:latin typeface="Lucida Console" pitchFamily="49" charset="0"/>
-            </a:endParaRPr>
           </a:p>
         </p:txBody>
       </p:sp>
@@ -6025,12 +6010,6 @@
               </a:rPr>
               <a:t>text(warming$NoMotorVehicles,warming$Warming,warming$Year,cex=0.7)</a:t>
             </a:r>
-            <a:endParaRPr lang="id-ID" sz="1400" dirty="0">
-              <a:solidFill>
-                <a:srgbClr val="0070C0"/>
-              </a:solidFill>
-              <a:latin typeface="Lucida Console" pitchFamily="49" charset="0"/>
-            </a:endParaRPr>
           </a:p>
         </p:txBody>
       </p:sp>
@@ -6385,16 +6364,7 @@
                 </a:solidFill>
                 <a:latin typeface="Lucida Console" pitchFamily="49" charset="0"/>
               </a:rPr>
-              <a:t>model.koyck </a:t>
-            </a:r>
-            <a:r>
-              <a:rPr lang="id-ID" sz="1400" dirty="0" smtClean="0">
-                <a:solidFill>
-                  <a:srgbClr val="0070C0"/>
-                </a:solidFill>
-                <a:latin typeface="Lucida Console" pitchFamily="49" charset="0"/>
-              </a:rPr>
-              <a:t>= koyckDlm(x = warming$NoMotorVehicles ,y = warming$Warming)</a:t>
+              <a:t>model.koyck = koyckDlm(x = warming$NoMotorVehicles ,y = warming$Warming)</a:t>
             </a:r>
           </a:p>
           <a:p>
@@ -6847,7 +6817,6 @@
               <a:rPr lang="id-ID" dirty="0"/>
               <a:t>Ilustrasi – Koyck DL</a:t>
             </a:r>
-            <a:endParaRPr lang="id-ID" dirty="0"/>
           </a:p>
         </p:txBody>
       </p:sp>
@@ -7686,32 +7655,8 @@
                 </a:solidFill>
                 <a:latin typeface="Lucida Console" pitchFamily="49" charset="0"/>
               </a:rPr>
-              <a:t>q </a:t>
-            </a:r>
-            <a:r>
-              <a:rPr lang="id-ID" sz="1400" dirty="0" smtClean="0">
-                <a:solidFill>
-                  <a:srgbClr val="0070C0"/>
-                </a:solidFill>
-                <a:latin typeface="Lucida Console" pitchFamily="49" charset="0"/>
-              </a:rPr>
-              <a:t>= 2 , k = 2 , show.beta = TRUE</a:t>
-            </a:r>
-            <a:r>
-              <a:rPr lang="id-ID" sz="1400" dirty="0" smtClean="0">
-                <a:solidFill>
-                  <a:srgbClr val="0070C0"/>
-                </a:solidFill>
-                <a:latin typeface="Lucida Console" pitchFamily="49" charset="0"/>
-              </a:rPr>
-              <a:t>)</a:t>
-            </a:r>
-            <a:endParaRPr lang="id-ID" sz="1400" dirty="0" smtClean="0">
-              <a:solidFill>
-                <a:srgbClr val="0070C0"/>
-              </a:solidFill>
-              <a:latin typeface="Lucida Console" pitchFamily="49" charset="0"/>
-            </a:endParaRPr>
+              <a:t>q = 2 , k = 2 , show.beta = TRUE)</a:t>
+            </a:r>
           </a:p>
         </p:txBody>
       </p:sp>
@@ -7767,7 +7712,6 @@
               <a:rPr lang="id-ID" dirty="0"/>
               <a:t> DL</a:t>
             </a:r>
-            <a:endParaRPr lang="id-ID" dirty="0"/>
           </a:p>
         </p:txBody>
       </p:sp>
@@ -7977,12 +7921,6 @@
               </a:rPr>
               <a:t>summary(model.poly)</a:t>
             </a:r>
-            <a:endParaRPr lang="id-ID" dirty="0">
-              <a:solidFill>
-                <a:srgbClr val="0070C0"/>
-              </a:solidFill>
-              <a:latin typeface="Lucida Console" pitchFamily="49" charset="0"/>
-            </a:endParaRPr>
           </a:p>
         </p:txBody>
       </p:sp>
@@ -9086,12 +9024,6 @@
               </a:rPr>
               <a:t>summary(model.koyck2)</a:t>
             </a:r>
-            <a:endParaRPr lang="id-ID" sz="1400" dirty="0">
-              <a:solidFill>
-                <a:srgbClr val="0070C0"/>
-              </a:solidFill>
-              <a:latin typeface="Lucida Console" pitchFamily="49" charset="0"/>
-            </a:endParaRPr>
           </a:p>
         </p:txBody>
       </p:sp>
@@ -9270,9 +9202,6 @@
               </a:rPr>
               <a:t>Geometric coefficients:  0.3456547 0.003917527 -0.03865438</a:t>
             </a:r>
-            <a:endParaRPr lang="id-ID" sz="1200" dirty="0">
-              <a:latin typeface="Lucida Console" pitchFamily="49" charset="0"/>
-            </a:endParaRPr>
           </a:p>
         </p:txBody>
       </p:sp>
@@ -9515,12 +9444,6 @@
               </a:rPr>
               <a:t>summary(model.poly2)</a:t>
             </a:r>
-            <a:endParaRPr lang="id-ID" sz="1400" dirty="0">
-              <a:solidFill>
-                <a:srgbClr val="0070C0"/>
-              </a:solidFill>
-              <a:latin typeface="Lucida Console" pitchFamily="49" charset="0"/>
-            </a:endParaRPr>
           </a:p>
         </p:txBody>
       </p:sp>
@@ -9670,9 +9593,6 @@
               </a:rPr>
               <a:t>F-statistic: 2.087 on 3 and 10 DF,  p-value: 0.1657</a:t>
             </a:r>
-            <a:endParaRPr lang="id-ID" sz="1200" dirty="0">
-              <a:latin typeface="Lucida Console" pitchFamily="49" charset="0"/>
-            </a:endParaRPr>
           </a:p>
         </p:txBody>
       </p:sp>
@@ -9885,12 +9805,6 @@
               </a:rPr>
               <a:t>summary(model.ardl2)</a:t>
             </a:r>
-            <a:endParaRPr lang="id-ID" sz="1400" dirty="0">
-              <a:solidFill>
-                <a:srgbClr val="0070C0"/>
-              </a:solidFill>
-              <a:latin typeface="Lucida Console" pitchFamily="49" charset="0"/>
-            </a:endParaRPr>
           </a:p>
         </p:txBody>
       </p:sp>
@@ -10077,9 +9991,6 @@
               </a:rPr>
               <a:t>F-statistic: 0.8126 on 3 and 11 DF,  p-value: 0.5132</a:t>
             </a:r>
-            <a:endParaRPr lang="id-ID" sz="1100" dirty="0">
-              <a:latin typeface="Lucida Console" pitchFamily="49" charset="0"/>
-            </a:endParaRPr>
           </a:p>
         </p:txBody>
       </p:sp>
@@ -10316,12 +10227,6 @@
               </a:rPr>
               <a:t>MAPE(fore.ardl2$forecasts,y.test)</a:t>
             </a:r>
-            <a:endParaRPr lang="id-ID" sz="1400" dirty="0">
-              <a:solidFill>
-                <a:srgbClr val="0070C0"/>
-              </a:solidFill>
-              <a:latin typeface="Lucida Console" pitchFamily="49" charset="0"/>
-            </a:endParaRPr>
           </a:p>
         </p:txBody>
       </p:sp>
@@ -10691,87 +10596,35 @@
                 </a:solidFill>
                 <a:latin typeface="Lucida Console" pitchFamily="49" charset="0"/>
               </a:rPr>
-              <a:t>plot(warming$NoMotorVehicles[17:20],warming$Warming[17:20],type="b",</a:t>
-            </a:r>
-          </a:p>
-          <a:p>
-            <a:r>
-              <a:rPr lang="id-ID" sz="1400" dirty="0">
+              <a:t>plot(warming$NoMotorVehicles[17:20],warming$Warming[17:20],type</a:t>
+            </a:r>
+            <a:r>
+              <a:rPr lang="id-ID" sz="1400" dirty="0" smtClean="0">
                 <a:solidFill>
                   <a:srgbClr val="0070C0"/>
                 </a:solidFill>
                 <a:latin typeface="Lucida Console" pitchFamily="49" charset="0"/>
               </a:rPr>
-              <a:t>     ylab="Warming",xlab="NoMotorVehicles",col="blue")</a:t>
-            </a:r>
-          </a:p>
-          <a:p>
-            <a:r>
-              <a:rPr lang="id-ID" sz="1400" dirty="0">
+              <a:t>=“</a:t>
+            </a:r>
+            <a:r>
+              <a:rPr lang="en-US" sz="1400" dirty="0">
                 <a:solidFill>
                   <a:srgbClr val="0070C0"/>
                 </a:solidFill>
                 <a:latin typeface="Lucida Console" pitchFamily="49" charset="0"/>
               </a:rPr>
-              <a:t>points(warming$NoMotorVehicles[17:20],fore.koyck2$forecasts,col="red")</a:t>
-            </a:r>
-          </a:p>
-          <a:p>
-            <a:r>
-              <a:rPr lang="id-ID" sz="1400" dirty="0">
+              <a:t>o</a:t>
+            </a:r>
+            <a:r>
+              <a:rPr lang="id-ID" sz="1400" dirty="0" smtClean="0">
                 <a:solidFill>
                   <a:srgbClr val="0070C0"/>
                 </a:solidFill>
                 <a:latin typeface="Lucida Console" pitchFamily="49" charset="0"/>
               </a:rPr>
-              <a:t>lines(warming$NoMotorVehicles[17:20],fore.koyck2$forecasts,col="red")</a:t>
-            </a:r>
-          </a:p>
-          <a:p>
-            <a:r>
-              <a:rPr lang="id-ID" sz="1400" dirty="0">
-                <a:solidFill>
-                  <a:srgbClr val="0070C0"/>
-                </a:solidFill>
-                <a:latin typeface="Lucida Console" pitchFamily="49" charset="0"/>
-              </a:rPr>
-              <a:t>points(warming$NoMotorVehicles[17:20],fore.poly2$forecasts,col="black")</a:t>
-            </a:r>
-          </a:p>
-          <a:p>
-            <a:r>
-              <a:rPr lang="id-ID" sz="1400" dirty="0">
-                <a:solidFill>
-                  <a:srgbClr val="0070C0"/>
-                </a:solidFill>
-                <a:latin typeface="Lucida Console" pitchFamily="49" charset="0"/>
-              </a:rPr>
-              <a:t>lines(warming$NoMotorVehicles[17:20],fore.poly2$forecasts,col="black")</a:t>
-            </a:r>
-          </a:p>
-          <a:p>
-            <a:r>
-              <a:rPr lang="id-ID" sz="1400" dirty="0">
-                <a:solidFill>
-                  <a:srgbClr val="0070C0"/>
-                </a:solidFill>
-                <a:latin typeface="Lucida Console" pitchFamily="49" charset="0"/>
-              </a:rPr>
-              <a:t>points(warming$NoMotorVehicles[17:20],fore.ardl2$forecasts,col="green",pch="+")</a:t>
-            </a:r>
-          </a:p>
-          <a:p>
-            <a:r>
-              <a:rPr lang="id-ID" sz="1400" dirty="0">
-                <a:solidFill>
-                  <a:srgbClr val="0070C0"/>
-                </a:solidFill>
-                <a:latin typeface="Lucida Console" pitchFamily="49" charset="0"/>
-              </a:rPr>
-              <a:t>lines(warming$NoMotorVehicles[17:20],fore.ardl2$forecasts,col="green",)</a:t>
-            </a:r>
-          </a:p>
-          <a:p>
+              <a:t>",</a:t>
+            </a:r>
             <a:endParaRPr lang="id-ID" sz="1400" dirty="0">
               <a:solidFill>
                 <a:srgbClr val="0070C0"/>
@@ -10787,7 +10640,7 @@
                 </a:solidFill>
                 <a:latin typeface="Lucida Console" pitchFamily="49" charset="0"/>
               </a:rPr>
-              <a:t>legend(87.5, 1, legend=c("aktual", "polynomial","koyck","autoreg"),</a:t>
+              <a:t>     ylab="Warming",xlab="NoMotorVehicles",col="blue")</a:t>
             </a:r>
           </a:p>
           <a:p>
@@ -10798,7 +10651,7 @@
                 </a:solidFill>
                 <a:latin typeface="Lucida Console" pitchFamily="49" charset="0"/>
               </a:rPr>
-              <a:t>       col=c("blue", "black","red","green"), lty=1, cex=0.8,</a:t>
+              <a:t>points(warming$NoMotorVehicles[17:20],fore.koyck2$forecasts,col="red")</a:t>
             </a:r>
           </a:p>
           <a:p>
@@ -10809,14 +10662,93 @@
                 </a:solidFill>
                 <a:latin typeface="Lucida Console" pitchFamily="49" charset="0"/>
               </a:rPr>
-              <a:t>       box.lty=0)</a:t>
-            </a:r>
+              <a:t>lines(warming$NoMotorVehicles[17:20],fore.koyck2$forecasts,col="red")</a:t>
+            </a:r>
+          </a:p>
+          <a:p>
+            <a:r>
+              <a:rPr lang="id-ID" sz="1400" dirty="0">
+                <a:solidFill>
+                  <a:srgbClr val="0070C0"/>
+                </a:solidFill>
+                <a:latin typeface="Lucida Console" pitchFamily="49" charset="0"/>
+              </a:rPr>
+              <a:t>points(warming$NoMotorVehicles[17:20],fore.poly2$forecasts,col="black")</a:t>
+            </a:r>
+          </a:p>
+          <a:p>
+            <a:r>
+              <a:rPr lang="id-ID" sz="1400" dirty="0">
+                <a:solidFill>
+                  <a:srgbClr val="0070C0"/>
+                </a:solidFill>
+                <a:latin typeface="Lucida Console" pitchFamily="49" charset="0"/>
+              </a:rPr>
+              <a:t>lines(warming$NoMotorVehicles[17:20],fore.poly2$forecasts,col="black")</a:t>
+            </a:r>
+          </a:p>
+          <a:p>
+            <a:r>
+              <a:rPr lang="id-ID" sz="1400" dirty="0">
+                <a:solidFill>
+                  <a:srgbClr val="0070C0"/>
+                </a:solidFill>
+                <a:latin typeface="Lucida Console" pitchFamily="49" charset="0"/>
+              </a:rPr>
+              <a:t>points(warming$NoMotorVehicles[17:20],fore.ardl2$forecasts,col="green",pch="+")</a:t>
+            </a:r>
+          </a:p>
+          <a:p>
+            <a:r>
+              <a:rPr lang="id-ID" sz="1400" dirty="0">
+                <a:solidFill>
+                  <a:srgbClr val="0070C0"/>
+                </a:solidFill>
+                <a:latin typeface="Lucida Console" pitchFamily="49" charset="0"/>
+              </a:rPr>
+              <a:t>lines(warming$NoMotorVehicles[17:20],fore.ardl2$forecasts,col="green",)</a:t>
+            </a:r>
+          </a:p>
+          <a:p>
             <a:endParaRPr lang="id-ID" sz="1400" dirty="0">
               <a:solidFill>
                 <a:srgbClr val="0070C0"/>
               </a:solidFill>
               <a:latin typeface="Lucida Console" pitchFamily="49" charset="0"/>
             </a:endParaRPr>
+          </a:p>
+          <a:p>
+            <a:r>
+              <a:rPr lang="id-ID" sz="1400" dirty="0">
+                <a:solidFill>
+                  <a:srgbClr val="0070C0"/>
+                </a:solidFill>
+                <a:latin typeface="Lucida Console" pitchFamily="49" charset="0"/>
+              </a:rPr>
+              <a:t>legend(87.5, 1, legend=c("aktual", "polynomial","koyck","autoreg"),</a:t>
+            </a:r>
+          </a:p>
+          <a:p>
+            <a:r>
+              <a:rPr lang="id-ID" sz="1400" dirty="0">
+                <a:solidFill>
+                  <a:srgbClr val="0070C0"/>
+                </a:solidFill>
+                <a:latin typeface="Lucida Console" pitchFamily="49" charset="0"/>
+              </a:rPr>
+              <a:t>       col=c("blue", "black","red","green"), lty=1, cex=0.8,</a:t>
+            </a:r>
+          </a:p>
+          <a:p>
+            <a:r>
+              <a:rPr lang="id-ID" sz="1400" dirty="0">
+                <a:solidFill>
+                  <a:srgbClr val="0070C0"/>
+                </a:solidFill>
+                <a:latin typeface="Lucida Console" pitchFamily="49" charset="0"/>
+              </a:rPr>
+              <a:t>       box.lty=0)</a:t>
+            </a:r>
           </a:p>
         </p:txBody>
       </p:sp>
@@ -10873,9 +10805,33 @@
           </a:p>
         </p:txBody>
       </p:sp>
+      <p:sp>
+        <p:nvSpPr>
+          <p:cNvPr id="4" name="Slide Number Placeholder 3"/>
+          <p:cNvSpPr>
+            <a:spLocks noGrp="1"/>
+          </p:cNvSpPr>
+          <p:nvPr>
+            <p:ph type="sldNum" sz="quarter" idx="12"/>
+          </p:nvPr>
+        </p:nvSpPr>
+        <p:spPr/>
+        <p:txBody>
+          <a:bodyPr/>
+          <a:lstStyle/>
+          <a:p>
+            <a:fld id="{B82CCC60-E8CD-4174-8B1A-7DF615B22EEF}" type="slidenum">
+              <a:rPr lang="en-US" smtClean="0"/>
+              <a:pPr/>
+              <a:t>31</a:t>
+            </a:fld>
+            <a:endParaRPr lang="en-US"/>
+          </a:p>
+        </p:txBody>
+      </p:sp>
       <p:pic>
         <p:nvPicPr>
-          <p:cNvPr id="5" name="Content Placeholder 4"/>
+          <p:cNvPr id="7" name="Content Placeholder 6"/>
           <p:cNvPicPr>
             <a:picLocks noGrp="1" noChangeAspect="1"/>
           </p:cNvPicPr>
@@ -10891,42 +10847,920 @@
         </p:blipFill>
         <p:spPr>
           <a:xfrm>
-            <a:off x="677491" y="1203324"/>
-            <a:ext cx="8119926" cy="3940175"/>
+            <a:off x="811891" y="1203325"/>
+            <a:ext cx="7504344" cy="3771900"/>
           </a:xfrm>
           <a:prstGeom prst="rect">
             <a:avLst/>
           </a:prstGeom>
         </p:spPr>
       </p:pic>
-      <p:sp>
-        <p:nvSpPr>
-          <p:cNvPr id="4" name="Slide Number Placeholder 3"/>
-          <p:cNvSpPr>
-            <a:spLocks noGrp="1"/>
-          </p:cNvSpPr>
-          <p:nvPr>
-            <p:ph type="sldNum" sz="quarter" idx="12"/>
-          </p:nvPr>
-        </p:nvSpPr>
-        <p:spPr/>
-        <p:txBody>
-          <a:bodyPr/>
-          <a:lstStyle/>
-          <a:p>
-            <a:fld id="{B82CCC60-E8CD-4174-8B1A-7DF615B22EEF}" type="slidenum">
-              <a:rPr lang="en-US" smtClean="0"/>
-              <a:pPr/>
-              <a:t>31</a:t>
-            </a:fld>
-            <a:endParaRPr lang="en-US"/>
-          </a:p>
-        </p:txBody>
-      </p:sp>
     </p:spTree>
     <p:extLst>
       <p:ext uri="{BB962C8B-B14F-4D97-AF65-F5344CB8AC3E}">
         <p14:creationId xmlns:p14="http://schemas.microsoft.com/office/powerpoint/2010/main" val="2117259374"/>
+      </p:ext>
+    </p:extLst>
+  </p:cSld>
+  <p:clrMapOvr>
+    <a:masterClrMapping/>
+  </p:clrMapOvr>
+</p:sld>
+</file>
+
+<file path=ppt/slides/slide32.xml><?xml version="1.0" encoding="utf-8"?>
+<p:sld xmlns:a="http://schemas.openxmlformats.org/drawingml/2006/main" xmlns:r="http://schemas.openxmlformats.org/officeDocument/2006/relationships" xmlns:p="http://schemas.openxmlformats.org/presentationml/2006/main">
+  <p:cSld>
+    <p:spTree>
+      <p:nvGrpSpPr>
+        <p:cNvPr id="1" name=""/>
+        <p:cNvGrpSpPr/>
+        <p:nvPr/>
+      </p:nvGrpSpPr>
+      <p:grpSpPr>
+        <a:xfrm>
+          <a:off x="0" y="0"/>
+          <a:ext cx="0" cy="0"/>
+          <a:chOff x="0" y="0"/>
+          <a:chExt cx="0" cy="0"/>
+        </a:xfrm>
+      </p:grpSpPr>
+      <p:sp>
+        <p:nvSpPr>
+          <p:cNvPr id="2" name="Title 1"/>
+          <p:cNvSpPr>
+            <a:spLocks noGrp="1"/>
+          </p:cNvSpPr>
+          <p:nvPr>
+            <p:ph type="title"/>
+          </p:nvPr>
+        </p:nvSpPr>
+        <p:spPr/>
+        <p:txBody>
+          <a:bodyPr/>
+          <a:lstStyle/>
+          <a:p>
+            <a:r>
+              <a:rPr lang="en-US" dirty="0" smtClean="0"/>
+              <a:t>Plot – ggplot2</a:t>
+            </a:r>
+            <a:endParaRPr lang="en-US" dirty="0"/>
+          </a:p>
+        </p:txBody>
+      </p:sp>
+      <p:sp>
+        <p:nvSpPr>
+          <p:cNvPr id="3" name="Content Placeholder 2"/>
+          <p:cNvSpPr>
+            <a:spLocks noGrp="1"/>
+          </p:cNvSpPr>
+          <p:nvPr>
+            <p:ph idx="1"/>
+          </p:nvPr>
+        </p:nvSpPr>
+        <p:spPr>
+          <a:xfrm>
+            <a:off x="448965" y="1203195"/>
+            <a:ext cx="8229600" cy="4093763"/>
+          </a:xfrm>
+        </p:spPr>
+        <p:txBody>
+          <a:bodyPr>
+            <a:normAutofit fontScale="47500" lnSpcReduction="20000"/>
+          </a:bodyPr>
+          <a:lstStyle/>
+          <a:p>
+            <a:pPr marL="0" indent="0">
+              <a:buNone/>
+            </a:pPr>
+            <a:r>
+              <a:rPr lang="en-US" dirty="0" err="1">
+                <a:latin typeface="Lucida Console" panose="020B0609040504020204" pitchFamily="49" charset="0"/>
+              </a:rPr>
+              <a:t>warming_test</a:t>
+            </a:r>
+            <a:r>
+              <a:rPr lang="en-US" dirty="0">
+                <a:latin typeface="Lucida Console" panose="020B0609040504020204" pitchFamily="49" charset="0"/>
+              </a:rPr>
+              <a:t> &lt;- warming[17:20,]</a:t>
+            </a:r>
+          </a:p>
+          <a:p>
+            <a:pPr marL="0" indent="0">
+              <a:buNone/>
+            </a:pPr>
+            <a:r>
+              <a:rPr lang="en-US" dirty="0" err="1">
+                <a:latin typeface="Lucida Console" panose="020B0609040504020204" pitchFamily="49" charset="0"/>
+              </a:rPr>
+              <a:t>warming_test$koyck</a:t>
+            </a:r>
+            <a:r>
+              <a:rPr lang="en-US" dirty="0">
+                <a:latin typeface="Lucida Console" panose="020B0609040504020204" pitchFamily="49" charset="0"/>
+              </a:rPr>
+              <a:t> &lt;- fore.koyck2$forecasts</a:t>
+            </a:r>
+          </a:p>
+          <a:p>
+            <a:pPr marL="0" indent="0">
+              <a:buNone/>
+            </a:pPr>
+            <a:r>
+              <a:rPr lang="en-US" dirty="0" err="1">
+                <a:latin typeface="Lucida Console" panose="020B0609040504020204" pitchFamily="49" charset="0"/>
+              </a:rPr>
+              <a:t>warming_test$poly</a:t>
+            </a:r>
+            <a:r>
+              <a:rPr lang="en-US" dirty="0">
+                <a:latin typeface="Lucida Console" panose="020B0609040504020204" pitchFamily="49" charset="0"/>
+              </a:rPr>
+              <a:t> &lt;- fore.poly2$forecasts</a:t>
+            </a:r>
+          </a:p>
+          <a:p>
+            <a:pPr marL="0" indent="0">
+              <a:buNone/>
+            </a:pPr>
+            <a:r>
+              <a:rPr lang="en-US" dirty="0" err="1">
+                <a:latin typeface="Lucida Console" panose="020B0609040504020204" pitchFamily="49" charset="0"/>
+              </a:rPr>
+              <a:t>warming_test$adrl</a:t>
+            </a:r>
+            <a:r>
+              <a:rPr lang="en-US" dirty="0">
+                <a:latin typeface="Lucida Console" panose="020B0609040504020204" pitchFamily="49" charset="0"/>
+              </a:rPr>
+              <a:t> &lt;- fore.ardl2$forecasts</a:t>
+            </a:r>
+          </a:p>
+          <a:p>
+            <a:pPr marL="0" indent="0">
+              <a:buNone/>
+            </a:pPr>
+            <a:endParaRPr lang="en-US" dirty="0">
+              <a:latin typeface="Lucida Console" panose="020B0609040504020204" pitchFamily="49" charset="0"/>
+            </a:endParaRPr>
+          </a:p>
+          <a:p>
+            <a:pPr marL="0" indent="0">
+              <a:buNone/>
+            </a:pPr>
+            <a:r>
+              <a:rPr lang="en-US" dirty="0" err="1">
+                <a:latin typeface="Lucida Console" panose="020B0609040504020204" pitchFamily="49" charset="0"/>
+              </a:rPr>
+              <a:t>ggplot</a:t>
+            </a:r>
+            <a:r>
+              <a:rPr lang="en-US" dirty="0">
+                <a:latin typeface="Lucida Console" panose="020B0609040504020204" pitchFamily="49" charset="0"/>
+              </a:rPr>
+              <a:t>(data = </a:t>
+            </a:r>
+            <a:r>
+              <a:rPr lang="en-US" dirty="0" err="1">
+                <a:latin typeface="Lucida Console" panose="020B0609040504020204" pitchFamily="49" charset="0"/>
+              </a:rPr>
+              <a:t>warming_test</a:t>
+            </a:r>
+            <a:r>
+              <a:rPr lang="en-US" dirty="0">
+                <a:latin typeface="Lucida Console" panose="020B0609040504020204" pitchFamily="49" charset="0"/>
+              </a:rPr>
+              <a:t>, mapping = </a:t>
+            </a:r>
+            <a:r>
+              <a:rPr lang="en-US" dirty="0" err="1">
+                <a:latin typeface="Lucida Console" panose="020B0609040504020204" pitchFamily="49" charset="0"/>
+              </a:rPr>
+              <a:t>aes</a:t>
+            </a:r>
+            <a:r>
+              <a:rPr lang="en-US" dirty="0">
+                <a:latin typeface="Lucida Console" panose="020B0609040504020204" pitchFamily="49" charset="0"/>
+              </a:rPr>
+              <a:t>(x = </a:t>
+            </a:r>
+            <a:r>
+              <a:rPr lang="en-US" dirty="0" err="1">
+                <a:latin typeface="Lucida Console" panose="020B0609040504020204" pitchFamily="49" charset="0"/>
+              </a:rPr>
+              <a:t>NoMotorVehicles</a:t>
+            </a:r>
+            <a:r>
+              <a:rPr lang="en-US" dirty="0">
+                <a:latin typeface="Lucida Console" panose="020B0609040504020204" pitchFamily="49" charset="0"/>
+              </a:rPr>
+              <a:t>)) +</a:t>
+            </a:r>
+          </a:p>
+          <a:p>
+            <a:pPr marL="0" indent="0">
+              <a:buNone/>
+            </a:pPr>
+            <a:r>
+              <a:rPr lang="en-US" dirty="0">
+                <a:latin typeface="Lucida Console" panose="020B0609040504020204" pitchFamily="49" charset="0"/>
+              </a:rPr>
+              <a:t>  </a:t>
+            </a:r>
+            <a:r>
+              <a:rPr lang="en-US" dirty="0" err="1">
+                <a:latin typeface="Lucida Console" panose="020B0609040504020204" pitchFamily="49" charset="0"/>
+              </a:rPr>
+              <a:t>geom_line</a:t>
+            </a:r>
+            <a:r>
+              <a:rPr lang="en-US" dirty="0">
+                <a:latin typeface="Lucida Console" panose="020B0609040504020204" pitchFamily="49" charset="0"/>
+              </a:rPr>
+              <a:t>(mapping = </a:t>
+            </a:r>
+            <a:r>
+              <a:rPr lang="en-US" dirty="0" err="1">
+                <a:latin typeface="Lucida Console" panose="020B0609040504020204" pitchFamily="49" charset="0"/>
+              </a:rPr>
+              <a:t>aes</a:t>
+            </a:r>
+            <a:r>
+              <a:rPr lang="en-US" dirty="0">
+                <a:latin typeface="Lucida Console" panose="020B0609040504020204" pitchFamily="49" charset="0"/>
+              </a:rPr>
+              <a:t>(y = Warming, color = "</a:t>
+            </a:r>
+            <a:r>
+              <a:rPr lang="en-US" dirty="0" err="1">
+                <a:latin typeface="Lucida Console" panose="020B0609040504020204" pitchFamily="49" charset="0"/>
+              </a:rPr>
+              <a:t>aktual</a:t>
+            </a:r>
+            <a:r>
+              <a:rPr lang="en-US" dirty="0">
+                <a:latin typeface="Lucida Console" panose="020B0609040504020204" pitchFamily="49" charset="0"/>
+              </a:rPr>
+              <a:t>")) +</a:t>
+            </a:r>
+          </a:p>
+          <a:p>
+            <a:pPr marL="0" indent="0">
+              <a:buNone/>
+            </a:pPr>
+            <a:r>
+              <a:rPr lang="en-US" dirty="0">
+                <a:latin typeface="Lucida Console" panose="020B0609040504020204" pitchFamily="49" charset="0"/>
+              </a:rPr>
+              <a:t>  </a:t>
+            </a:r>
+            <a:r>
+              <a:rPr lang="en-US" dirty="0" err="1">
+                <a:latin typeface="Lucida Console" panose="020B0609040504020204" pitchFamily="49" charset="0"/>
+              </a:rPr>
+              <a:t>geom_point</a:t>
+            </a:r>
+            <a:r>
+              <a:rPr lang="en-US" dirty="0">
+                <a:latin typeface="Lucida Console" panose="020B0609040504020204" pitchFamily="49" charset="0"/>
+              </a:rPr>
+              <a:t>(mapping = </a:t>
+            </a:r>
+            <a:r>
+              <a:rPr lang="en-US" dirty="0" err="1">
+                <a:latin typeface="Lucida Console" panose="020B0609040504020204" pitchFamily="49" charset="0"/>
+              </a:rPr>
+              <a:t>aes</a:t>
+            </a:r>
+            <a:r>
+              <a:rPr lang="en-US" dirty="0">
+                <a:latin typeface="Lucida Console" panose="020B0609040504020204" pitchFamily="49" charset="0"/>
+              </a:rPr>
+              <a:t>(y = Warming), color = "blue") +</a:t>
+            </a:r>
+          </a:p>
+          <a:p>
+            <a:pPr marL="0" indent="0">
+              <a:buNone/>
+            </a:pPr>
+            <a:r>
+              <a:rPr lang="en-US" dirty="0">
+                <a:latin typeface="Lucida Console" panose="020B0609040504020204" pitchFamily="49" charset="0"/>
+              </a:rPr>
+              <a:t>  </a:t>
+            </a:r>
+            <a:r>
+              <a:rPr lang="en-US" dirty="0" err="1">
+                <a:latin typeface="Lucida Console" panose="020B0609040504020204" pitchFamily="49" charset="0"/>
+              </a:rPr>
+              <a:t>geom_line</a:t>
+            </a:r>
+            <a:r>
+              <a:rPr lang="en-US" dirty="0">
+                <a:latin typeface="Lucida Console" panose="020B0609040504020204" pitchFamily="49" charset="0"/>
+              </a:rPr>
+              <a:t>(mapping = </a:t>
+            </a:r>
+            <a:r>
+              <a:rPr lang="en-US" dirty="0" err="1">
+                <a:latin typeface="Lucida Console" panose="020B0609040504020204" pitchFamily="49" charset="0"/>
+              </a:rPr>
+              <a:t>aes</a:t>
+            </a:r>
+            <a:r>
+              <a:rPr lang="en-US" dirty="0">
+                <a:latin typeface="Lucida Console" panose="020B0609040504020204" pitchFamily="49" charset="0"/>
+              </a:rPr>
+              <a:t>(y = </a:t>
+            </a:r>
+            <a:r>
+              <a:rPr lang="en-US" dirty="0" err="1">
+                <a:latin typeface="Lucida Console" panose="020B0609040504020204" pitchFamily="49" charset="0"/>
+              </a:rPr>
+              <a:t>koyck</a:t>
+            </a:r>
+            <a:r>
+              <a:rPr lang="en-US" dirty="0">
+                <a:latin typeface="Lucida Console" panose="020B0609040504020204" pitchFamily="49" charset="0"/>
+              </a:rPr>
+              <a:t>, color = "</a:t>
+            </a:r>
+            <a:r>
+              <a:rPr lang="en-US" dirty="0" err="1">
+                <a:latin typeface="Lucida Console" panose="020B0609040504020204" pitchFamily="49" charset="0"/>
+              </a:rPr>
+              <a:t>koyck</a:t>
+            </a:r>
+            <a:r>
+              <a:rPr lang="en-US" dirty="0">
+                <a:latin typeface="Lucida Console" panose="020B0609040504020204" pitchFamily="49" charset="0"/>
+              </a:rPr>
+              <a:t>")) +</a:t>
+            </a:r>
+          </a:p>
+          <a:p>
+            <a:pPr marL="0" indent="0">
+              <a:buNone/>
+            </a:pPr>
+            <a:r>
+              <a:rPr lang="en-US" dirty="0">
+                <a:latin typeface="Lucida Console" panose="020B0609040504020204" pitchFamily="49" charset="0"/>
+              </a:rPr>
+              <a:t>  </a:t>
+            </a:r>
+            <a:r>
+              <a:rPr lang="en-US" dirty="0" err="1">
+                <a:latin typeface="Lucida Console" panose="020B0609040504020204" pitchFamily="49" charset="0"/>
+              </a:rPr>
+              <a:t>geom_point</a:t>
+            </a:r>
+            <a:r>
+              <a:rPr lang="en-US" dirty="0">
+                <a:latin typeface="Lucida Console" panose="020B0609040504020204" pitchFamily="49" charset="0"/>
+              </a:rPr>
+              <a:t>(mapping = </a:t>
+            </a:r>
+            <a:r>
+              <a:rPr lang="en-US" dirty="0" err="1">
+                <a:latin typeface="Lucida Console" panose="020B0609040504020204" pitchFamily="49" charset="0"/>
+              </a:rPr>
+              <a:t>aes</a:t>
+            </a:r>
+            <a:r>
+              <a:rPr lang="en-US" dirty="0">
+                <a:latin typeface="Lucida Console" panose="020B0609040504020204" pitchFamily="49" charset="0"/>
+              </a:rPr>
+              <a:t>(y = </a:t>
+            </a:r>
+            <a:r>
+              <a:rPr lang="en-US" dirty="0" err="1">
+                <a:latin typeface="Lucida Console" panose="020B0609040504020204" pitchFamily="49" charset="0"/>
+              </a:rPr>
+              <a:t>koyck</a:t>
+            </a:r>
+            <a:r>
+              <a:rPr lang="en-US" dirty="0">
+                <a:latin typeface="Lucida Console" panose="020B0609040504020204" pitchFamily="49" charset="0"/>
+              </a:rPr>
+              <a:t>), color = "red") +</a:t>
+            </a:r>
+          </a:p>
+          <a:p>
+            <a:pPr marL="0" indent="0">
+              <a:buNone/>
+            </a:pPr>
+            <a:r>
+              <a:rPr lang="en-US" dirty="0">
+                <a:latin typeface="Lucida Console" panose="020B0609040504020204" pitchFamily="49" charset="0"/>
+              </a:rPr>
+              <a:t>  </a:t>
+            </a:r>
+            <a:r>
+              <a:rPr lang="en-US" dirty="0" err="1">
+                <a:latin typeface="Lucida Console" panose="020B0609040504020204" pitchFamily="49" charset="0"/>
+              </a:rPr>
+              <a:t>geom_line</a:t>
+            </a:r>
+            <a:r>
+              <a:rPr lang="en-US" dirty="0">
+                <a:latin typeface="Lucida Console" panose="020B0609040504020204" pitchFamily="49" charset="0"/>
+              </a:rPr>
+              <a:t>(mapping = </a:t>
+            </a:r>
+            <a:r>
+              <a:rPr lang="en-US" dirty="0" err="1">
+                <a:latin typeface="Lucida Console" panose="020B0609040504020204" pitchFamily="49" charset="0"/>
+              </a:rPr>
+              <a:t>aes</a:t>
+            </a:r>
+            <a:r>
+              <a:rPr lang="en-US" dirty="0">
+                <a:latin typeface="Lucida Console" panose="020B0609040504020204" pitchFamily="49" charset="0"/>
+              </a:rPr>
+              <a:t>(y = poly, color = "poly")) +</a:t>
+            </a:r>
+          </a:p>
+          <a:p>
+            <a:pPr marL="0" indent="0">
+              <a:buNone/>
+            </a:pPr>
+            <a:r>
+              <a:rPr lang="en-US" dirty="0">
+                <a:latin typeface="Lucida Console" panose="020B0609040504020204" pitchFamily="49" charset="0"/>
+              </a:rPr>
+              <a:t>  </a:t>
+            </a:r>
+            <a:r>
+              <a:rPr lang="en-US" dirty="0" err="1">
+                <a:latin typeface="Lucida Console" panose="020B0609040504020204" pitchFamily="49" charset="0"/>
+              </a:rPr>
+              <a:t>geom_point</a:t>
+            </a:r>
+            <a:r>
+              <a:rPr lang="en-US" dirty="0">
+                <a:latin typeface="Lucida Console" panose="020B0609040504020204" pitchFamily="49" charset="0"/>
+              </a:rPr>
+              <a:t>(mapping = </a:t>
+            </a:r>
+            <a:r>
+              <a:rPr lang="en-US" dirty="0" err="1">
+                <a:latin typeface="Lucida Console" panose="020B0609040504020204" pitchFamily="49" charset="0"/>
+              </a:rPr>
+              <a:t>aes</a:t>
+            </a:r>
+            <a:r>
+              <a:rPr lang="en-US" dirty="0">
+                <a:latin typeface="Lucida Console" panose="020B0609040504020204" pitchFamily="49" charset="0"/>
+              </a:rPr>
+              <a:t>(y = poly), color = "black") +</a:t>
+            </a:r>
+          </a:p>
+          <a:p>
+            <a:pPr marL="0" indent="0">
+              <a:buNone/>
+            </a:pPr>
+            <a:r>
+              <a:rPr lang="en-US" dirty="0">
+                <a:latin typeface="Lucida Console" panose="020B0609040504020204" pitchFamily="49" charset="0"/>
+              </a:rPr>
+              <a:t>  </a:t>
+            </a:r>
+            <a:r>
+              <a:rPr lang="en-US" dirty="0" err="1">
+                <a:latin typeface="Lucida Console" panose="020B0609040504020204" pitchFamily="49" charset="0"/>
+              </a:rPr>
+              <a:t>geom_line</a:t>
+            </a:r>
+            <a:r>
+              <a:rPr lang="en-US" dirty="0">
+                <a:latin typeface="Lucida Console" panose="020B0609040504020204" pitchFamily="49" charset="0"/>
+              </a:rPr>
+              <a:t>(mapping = </a:t>
+            </a:r>
+            <a:r>
+              <a:rPr lang="en-US" dirty="0" err="1">
+                <a:latin typeface="Lucida Console" panose="020B0609040504020204" pitchFamily="49" charset="0"/>
+              </a:rPr>
+              <a:t>aes</a:t>
+            </a:r>
+            <a:r>
+              <a:rPr lang="en-US" dirty="0">
+                <a:latin typeface="Lucida Console" panose="020B0609040504020204" pitchFamily="49" charset="0"/>
+              </a:rPr>
+              <a:t>(y = </a:t>
+            </a:r>
+            <a:r>
+              <a:rPr lang="en-US" dirty="0" err="1">
+                <a:latin typeface="Lucida Console" panose="020B0609040504020204" pitchFamily="49" charset="0"/>
+              </a:rPr>
+              <a:t>adrl</a:t>
+            </a:r>
+            <a:r>
+              <a:rPr lang="en-US" dirty="0">
+                <a:latin typeface="Lucida Console" panose="020B0609040504020204" pitchFamily="49" charset="0"/>
+              </a:rPr>
+              <a:t>, color = "</a:t>
+            </a:r>
+            <a:r>
+              <a:rPr lang="en-US" dirty="0" err="1">
+                <a:latin typeface="Lucida Console" panose="020B0609040504020204" pitchFamily="49" charset="0"/>
+              </a:rPr>
+              <a:t>adrl</a:t>
+            </a:r>
+            <a:r>
+              <a:rPr lang="en-US" dirty="0">
+                <a:latin typeface="Lucida Console" panose="020B0609040504020204" pitchFamily="49" charset="0"/>
+              </a:rPr>
+              <a:t>")) +</a:t>
+            </a:r>
+          </a:p>
+          <a:p>
+            <a:pPr marL="0" indent="0">
+              <a:buNone/>
+            </a:pPr>
+            <a:r>
+              <a:rPr lang="en-US" dirty="0">
+                <a:latin typeface="Lucida Console" panose="020B0609040504020204" pitchFamily="49" charset="0"/>
+              </a:rPr>
+              <a:t>  </a:t>
+            </a:r>
+            <a:r>
+              <a:rPr lang="en-US" dirty="0" err="1">
+                <a:latin typeface="Lucida Console" panose="020B0609040504020204" pitchFamily="49" charset="0"/>
+              </a:rPr>
+              <a:t>geom_point</a:t>
+            </a:r>
+            <a:r>
+              <a:rPr lang="en-US" dirty="0">
+                <a:latin typeface="Lucida Console" panose="020B0609040504020204" pitchFamily="49" charset="0"/>
+              </a:rPr>
+              <a:t>(mapping = </a:t>
+            </a:r>
+            <a:r>
+              <a:rPr lang="en-US" dirty="0" err="1">
+                <a:latin typeface="Lucida Console" panose="020B0609040504020204" pitchFamily="49" charset="0"/>
+              </a:rPr>
+              <a:t>aes</a:t>
+            </a:r>
+            <a:r>
+              <a:rPr lang="en-US" dirty="0">
+                <a:latin typeface="Lucida Console" panose="020B0609040504020204" pitchFamily="49" charset="0"/>
+              </a:rPr>
+              <a:t>(y = </a:t>
+            </a:r>
+            <a:r>
+              <a:rPr lang="en-US" dirty="0" err="1">
+                <a:latin typeface="Lucida Console" panose="020B0609040504020204" pitchFamily="49" charset="0"/>
+              </a:rPr>
+              <a:t>adrl</a:t>
+            </a:r>
+            <a:r>
+              <a:rPr lang="en-US" dirty="0">
+                <a:latin typeface="Lucida Console" panose="020B0609040504020204" pitchFamily="49" charset="0"/>
+              </a:rPr>
+              <a:t>), color = "green") +</a:t>
+            </a:r>
+          </a:p>
+          <a:p>
+            <a:pPr marL="0" indent="0">
+              <a:buNone/>
+            </a:pPr>
+            <a:r>
+              <a:rPr lang="en-US" dirty="0">
+                <a:latin typeface="Lucida Console" panose="020B0609040504020204" pitchFamily="49" charset="0"/>
+              </a:rPr>
+              <a:t>  </a:t>
+            </a:r>
+            <a:r>
+              <a:rPr lang="en-US" dirty="0" err="1">
+                <a:latin typeface="Lucida Console" panose="020B0609040504020204" pitchFamily="49" charset="0"/>
+              </a:rPr>
+              <a:t>scale_color_manual</a:t>
+            </a:r>
+            <a:r>
+              <a:rPr lang="en-US" dirty="0">
+                <a:latin typeface="Lucida Console" panose="020B0609040504020204" pitchFamily="49" charset="0"/>
+              </a:rPr>
+              <a:t>("Legend",</a:t>
+            </a:r>
+          </a:p>
+          <a:p>
+            <a:pPr marL="0" indent="0">
+              <a:buNone/>
+            </a:pPr>
+            <a:r>
+              <a:rPr lang="en-US" dirty="0">
+                <a:latin typeface="Lucida Console" panose="020B0609040504020204" pitchFamily="49" charset="0"/>
+              </a:rPr>
+              <a:t>                     values = c("</a:t>
+            </a:r>
+            <a:r>
+              <a:rPr lang="en-US" dirty="0" err="1">
+                <a:latin typeface="Lucida Console" panose="020B0609040504020204" pitchFamily="49" charset="0"/>
+              </a:rPr>
+              <a:t>aktual</a:t>
+            </a:r>
+            <a:r>
+              <a:rPr lang="en-US" dirty="0">
+                <a:latin typeface="Lucida Console" panose="020B0609040504020204" pitchFamily="49" charset="0"/>
+              </a:rPr>
+              <a:t>" = "blue",</a:t>
+            </a:r>
+          </a:p>
+          <a:p>
+            <a:pPr marL="0" indent="0">
+              <a:buNone/>
+            </a:pPr>
+            <a:r>
+              <a:rPr lang="en-US" dirty="0">
+                <a:latin typeface="Lucida Console" panose="020B0609040504020204" pitchFamily="49" charset="0"/>
+              </a:rPr>
+              <a:t>                                "</a:t>
+            </a:r>
+            <a:r>
+              <a:rPr lang="en-US" dirty="0" err="1">
+                <a:latin typeface="Lucida Console" panose="020B0609040504020204" pitchFamily="49" charset="0"/>
+              </a:rPr>
+              <a:t>koyck</a:t>
+            </a:r>
+            <a:r>
+              <a:rPr lang="en-US" dirty="0">
+                <a:latin typeface="Lucida Console" panose="020B0609040504020204" pitchFamily="49" charset="0"/>
+              </a:rPr>
+              <a:t>" = "red",</a:t>
+            </a:r>
+          </a:p>
+          <a:p>
+            <a:pPr marL="0" indent="0">
+              <a:buNone/>
+            </a:pPr>
+            <a:r>
+              <a:rPr lang="en-US" dirty="0">
+                <a:latin typeface="Lucida Console" panose="020B0609040504020204" pitchFamily="49" charset="0"/>
+              </a:rPr>
+              <a:t>                                "poly" = "black",</a:t>
+            </a:r>
+          </a:p>
+          <a:p>
+            <a:pPr marL="0" indent="0">
+              <a:buNone/>
+            </a:pPr>
+            <a:r>
+              <a:rPr lang="en-US" dirty="0">
+                <a:latin typeface="Lucida Console" panose="020B0609040504020204" pitchFamily="49" charset="0"/>
+              </a:rPr>
+              <a:t>                                "</a:t>
+            </a:r>
+            <a:r>
+              <a:rPr lang="en-US" dirty="0" err="1">
+                <a:latin typeface="Lucida Console" panose="020B0609040504020204" pitchFamily="49" charset="0"/>
+              </a:rPr>
+              <a:t>adrl</a:t>
+            </a:r>
+            <a:r>
+              <a:rPr lang="en-US" dirty="0">
+                <a:latin typeface="Lucida Console" panose="020B0609040504020204" pitchFamily="49" charset="0"/>
+              </a:rPr>
+              <a:t>" = "green"))</a:t>
+            </a:r>
+          </a:p>
+        </p:txBody>
+      </p:sp>
+      <p:sp>
+        <p:nvSpPr>
+          <p:cNvPr id="4" name="Slide Number Placeholder 3"/>
+          <p:cNvSpPr>
+            <a:spLocks noGrp="1"/>
+          </p:cNvSpPr>
+          <p:nvPr>
+            <p:ph type="sldNum" sz="quarter" idx="12"/>
+          </p:nvPr>
+        </p:nvSpPr>
+        <p:spPr/>
+        <p:txBody>
+          <a:bodyPr/>
+          <a:lstStyle/>
+          <a:p>
+            <a:fld id="{B82CCC60-E8CD-4174-8B1A-7DF615B22EEF}" type="slidenum">
+              <a:rPr lang="en-US" smtClean="0"/>
+              <a:pPr/>
+              <a:t>32</a:t>
+            </a:fld>
+            <a:endParaRPr lang="en-US"/>
+          </a:p>
+        </p:txBody>
+      </p:sp>
+    </p:spTree>
+    <p:extLst>
+      <p:ext uri="{BB962C8B-B14F-4D97-AF65-F5344CB8AC3E}">
+        <p14:creationId xmlns:p14="http://schemas.microsoft.com/office/powerpoint/2010/main" val="1006088563"/>
+      </p:ext>
+    </p:extLst>
+  </p:cSld>
+  <p:clrMapOvr>
+    <a:masterClrMapping/>
+  </p:clrMapOvr>
+</p:sld>
+</file>
+
+<file path=ppt/slides/slide33.xml><?xml version="1.0" encoding="utf-8"?>
+<p:sld xmlns:a="http://schemas.openxmlformats.org/drawingml/2006/main" xmlns:r="http://schemas.openxmlformats.org/officeDocument/2006/relationships" xmlns:p="http://schemas.openxmlformats.org/presentationml/2006/main">
+  <p:cSld>
+    <p:spTree>
+      <p:nvGrpSpPr>
+        <p:cNvPr id="1" name=""/>
+        <p:cNvGrpSpPr/>
+        <p:nvPr/>
+      </p:nvGrpSpPr>
+      <p:grpSpPr>
+        <a:xfrm>
+          <a:off x="0" y="0"/>
+          <a:ext cx="0" cy="0"/>
+          <a:chOff x="0" y="0"/>
+          <a:chExt cx="0" cy="0"/>
+        </a:xfrm>
+      </p:grpSpPr>
+      <p:sp>
+        <p:nvSpPr>
+          <p:cNvPr id="2" name="Title 1"/>
+          <p:cNvSpPr>
+            <a:spLocks noGrp="1"/>
+          </p:cNvSpPr>
+          <p:nvPr>
+            <p:ph type="title"/>
+          </p:nvPr>
+        </p:nvSpPr>
+        <p:spPr/>
+        <p:txBody>
+          <a:bodyPr/>
+          <a:lstStyle/>
+          <a:p>
+            <a:r>
+              <a:rPr lang="en-US" dirty="0"/>
+              <a:t>Plot – ggplot2</a:t>
+            </a:r>
+          </a:p>
+        </p:txBody>
+      </p:sp>
+      <p:pic>
+        <p:nvPicPr>
+          <p:cNvPr id="5" name="Content Placeholder 4"/>
+          <p:cNvPicPr>
+            <a:picLocks noGrp="1" noChangeAspect="1"/>
+          </p:cNvPicPr>
+          <p:nvPr>
+            <p:ph idx="1"/>
+          </p:nvPr>
+        </p:nvPicPr>
+        <p:blipFill>
+          <a:blip r:embed="rId2"/>
+          <a:stretch>
+            <a:fillRect/>
+          </a:stretch>
+        </p:blipFill>
+        <p:spPr>
+          <a:xfrm>
+            <a:off x="951891" y="1203325"/>
+            <a:ext cx="7224343" cy="3771900"/>
+          </a:xfrm>
+          <a:prstGeom prst="rect">
+            <a:avLst/>
+          </a:prstGeom>
+        </p:spPr>
+      </p:pic>
+      <p:sp>
+        <p:nvSpPr>
+          <p:cNvPr id="4" name="Slide Number Placeholder 3"/>
+          <p:cNvSpPr>
+            <a:spLocks noGrp="1"/>
+          </p:cNvSpPr>
+          <p:nvPr>
+            <p:ph type="sldNum" sz="quarter" idx="12"/>
+          </p:nvPr>
+        </p:nvSpPr>
+        <p:spPr/>
+        <p:txBody>
+          <a:bodyPr/>
+          <a:lstStyle/>
+          <a:p>
+            <a:fld id="{B82CCC60-E8CD-4174-8B1A-7DF615B22EEF}" type="slidenum">
+              <a:rPr lang="en-US" smtClean="0"/>
+              <a:pPr/>
+              <a:t>33</a:t>
+            </a:fld>
+            <a:endParaRPr lang="en-US"/>
+          </a:p>
+        </p:txBody>
+      </p:sp>
+    </p:spTree>
+    <p:extLst>
+      <p:ext uri="{BB962C8B-B14F-4D97-AF65-F5344CB8AC3E}">
+        <p14:creationId xmlns:p14="http://schemas.microsoft.com/office/powerpoint/2010/main" val="2641329898"/>
+      </p:ext>
+    </p:extLst>
+  </p:cSld>
+  <p:clrMapOvr>
+    <a:masterClrMapping/>
+  </p:clrMapOvr>
+</p:sld>
+</file>
+
+<file path=ppt/slides/slide34.xml><?xml version="1.0" encoding="utf-8"?>
+<p:sld xmlns:a="http://schemas.openxmlformats.org/drawingml/2006/main" xmlns:r="http://schemas.openxmlformats.org/officeDocument/2006/relationships" xmlns:p="http://schemas.openxmlformats.org/presentationml/2006/main">
+  <p:cSld>
+    <p:spTree>
+      <p:nvGrpSpPr>
+        <p:cNvPr id="1" name=""/>
+        <p:cNvGrpSpPr/>
+        <p:nvPr/>
+      </p:nvGrpSpPr>
+      <p:grpSpPr>
+        <a:xfrm>
+          <a:off x="0" y="0"/>
+          <a:ext cx="0" cy="0"/>
+          <a:chOff x="0" y="0"/>
+          <a:chExt cx="0" cy="0"/>
+        </a:xfrm>
+      </p:grpSpPr>
+      <p:sp>
+        <p:nvSpPr>
+          <p:cNvPr id="5" name="Title 4"/>
+          <p:cNvSpPr>
+            <a:spLocks noGrp="1"/>
+          </p:cNvSpPr>
+          <p:nvPr>
+            <p:ph type="ctrTitle"/>
+          </p:nvPr>
+        </p:nvSpPr>
+        <p:spPr/>
+        <p:txBody>
+          <a:bodyPr/>
+          <a:lstStyle/>
+          <a:p>
+            <a:r>
+              <a:rPr lang="en-US" dirty="0" err="1" smtClean="0"/>
+              <a:t>Terima</a:t>
+            </a:r>
+            <a:r>
+              <a:rPr lang="en-US" dirty="0" smtClean="0"/>
+              <a:t> </a:t>
+            </a:r>
+            <a:r>
+              <a:rPr lang="en-US" dirty="0" err="1" smtClean="0"/>
+              <a:t>Kasih</a:t>
+            </a:r>
+            <a:endParaRPr lang="en-US" dirty="0"/>
+          </a:p>
+        </p:txBody>
+      </p:sp>
+      <p:sp>
+        <p:nvSpPr>
+          <p:cNvPr id="6" name="Subtitle 5"/>
+          <p:cNvSpPr>
+            <a:spLocks noGrp="1"/>
+          </p:cNvSpPr>
+          <p:nvPr>
+            <p:ph type="subTitle" idx="1"/>
+          </p:nvPr>
+        </p:nvSpPr>
+        <p:spPr/>
+        <p:txBody>
+          <a:bodyPr/>
+          <a:lstStyle/>
+          <a:p>
+            <a:endParaRPr lang="en-US"/>
+          </a:p>
+        </p:txBody>
+      </p:sp>
+      <p:sp>
+        <p:nvSpPr>
+          <p:cNvPr id="4" name="Slide Number Placeholder 3"/>
+          <p:cNvSpPr>
+            <a:spLocks noGrp="1"/>
+          </p:cNvSpPr>
+          <p:nvPr>
+            <p:ph type="sldNum" sz="quarter" idx="12"/>
+          </p:nvPr>
+        </p:nvSpPr>
+        <p:spPr/>
+        <p:txBody>
+          <a:bodyPr/>
+          <a:lstStyle/>
+          <a:p>
+            <a:fld id="{B82CCC60-E8CD-4174-8B1A-7DF615B22EEF}" type="slidenum">
+              <a:rPr lang="en-US" smtClean="0"/>
+              <a:pPr/>
+              <a:t>34</a:t>
+            </a:fld>
+            <a:endParaRPr lang="en-US"/>
+          </a:p>
+        </p:txBody>
+      </p:sp>
+    </p:spTree>
+    <p:extLst>
+      <p:ext uri="{BB962C8B-B14F-4D97-AF65-F5344CB8AC3E}">
+        <p14:creationId xmlns:p14="http://schemas.microsoft.com/office/powerpoint/2010/main" val="2535155983"/>
       </p:ext>
     </p:extLst>
   </p:cSld>
